--- a/template/pptx_templates/School.pptx
+++ b/template/pptx_templates/School.pptx
@@ -1406,7 +1406,7 @@
         <p:spPr>
           <a:xfrm>
             <a:off x="948000" y="1912315"/>
-            <a:ext cx="3224400" cy="1208700"/>
+            <a:ext cx="3224400" cy="2455578"/>
           </a:xfrm>
           <a:prstGeom prst="rect">
             <a:avLst/>
@@ -1744,7 +1744,7 @@
             </a:lvl9pPr>
           </a:lstStyle>
           <a:p>
-            <a:endParaRPr/>
+            <a:endParaRPr dirty="0"/>
           </a:p>
         </p:txBody>
       </p:sp>
@@ -1881,8 +1881,8 @@
         </p:nvSpPr>
         <p:spPr>
           <a:xfrm>
-            <a:off x="4821189" y="1836134"/>
-            <a:ext cx="3224400" cy="1208700"/>
+            <a:off x="4821189" y="1836133"/>
+            <a:ext cx="3224400" cy="2433787"/>
           </a:xfrm>
           <a:prstGeom prst="rect">
             <a:avLst/>
@@ -2781,7 +2781,7 @@
         <p:push/>
       </p:transition>
     </mc:Choice>
-    <mc:Fallback xmlns="" xmlns:mv="urn:schemas-microsoft-com:mac:vml" xmlns:c="http://schemas.openxmlformats.org/drawingml/2006/chart" xmlns:dgm="http://schemas.openxmlformats.org/drawingml/2006/diagram" xmlns:o="urn:schemas-microsoft-com:office:office" xmlns:v="urn:schemas-microsoft-com:vml" xmlns:pvml="urn:schemas-microsoft-com:office:powerpoint" xmlns:com="http://schemas.openxmlformats.org/drawingml/2006/compatibility" xmlns:p15="http://schemas.microsoft.com/office/powerpoint/2012/main" xmlns:ahyp="http://schemas.microsoft.com/office/drawing/2018/hyperlinkcolor">
+    <mc:Fallback xmlns:ahyp="http://schemas.microsoft.com/office/drawing/2018/hyperlinkcolor" xmlns:p15="http://schemas.microsoft.com/office/powerpoint/2012/main" xmlns:com="http://schemas.openxmlformats.org/drawingml/2006/compatibility" xmlns:pvml="urn:schemas-microsoft-com:office:powerpoint" xmlns:v="urn:schemas-microsoft-com:vml" xmlns:o="urn:schemas-microsoft-com:office:office" xmlns:dgm="http://schemas.openxmlformats.org/drawingml/2006/diagram" xmlns:c="http://schemas.openxmlformats.org/drawingml/2006/chart" xmlns:mv="urn:schemas-microsoft-com:mac:vml" xmlns="">
       <p:transition spd="slow">
         <p:fade/>
       </p:transition>
